--- a/08.pptx
+++ b/08.pptx
@@ -213,7 +213,7 @@
           <a:p>
             <a:fld id="{AA93C23F-80D8-41F7-A602-5BAA4D96D6F7}" type="datetimeFigureOut">
               <a:rPr lang="ko-KR" altLang="en-US" smtClean="0"/>
-              <a:t>2019-12-21</a:t>
+              <a:t>2025-03-15</a:t>
             </a:fld>
             <a:endParaRPr lang="ko-KR" altLang="en-US"/>
           </a:p>
@@ -1003,7 +1003,7 @@
           <a:p>
             <a:fld id="{AA93C23F-80D8-41F7-A602-5BAA4D96D6F7}" type="datetimeFigureOut">
               <a:rPr lang="ko-KR" altLang="en-US" smtClean="0"/>
-              <a:t>2019-12-21</a:t>
+              <a:t>2025-03-15</a:t>
             </a:fld>
             <a:endParaRPr lang="ko-KR" altLang="en-US"/>
           </a:p>
@@ -1171,7 +1171,7 @@
           <a:p>
             <a:fld id="{AA93C23F-80D8-41F7-A602-5BAA4D96D6F7}" type="datetimeFigureOut">
               <a:rPr lang="ko-KR" altLang="en-US" smtClean="0"/>
-              <a:t>2019-12-21</a:t>
+              <a:t>2025-03-15</a:t>
             </a:fld>
             <a:endParaRPr lang="ko-KR" altLang="en-US"/>
           </a:p>
@@ -1349,7 +1349,7 @@
           <a:p>
             <a:fld id="{AA93C23F-80D8-41F7-A602-5BAA4D96D6F7}" type="datetimeFigureOut">
               <a:rPr lang="ko-KR" altLang="en-US" smtClean="0"/>
-              <a:t>2019-12-21</a:t>
+              <a:t>2025-03-15</a:t>
             </a:fld>
             <a:endParaRPr lang="ko-KR" altLang="en-US"/>
           </a:p>
@@ -1533,7 +1533,7 @@
           <a:p>
             <a:fld id="{AA93C23F-80D8-41F7-A602-5BAA4D96D6F7}" type="datetimeFigureOut">
               <a:rPr lang="ko-KR" altLang="en-US" smtClean="0"/>
-              <a:t>2019-12-21</a:t>
+              <a:t>2025-03-15</a:t>
             </a:fld>
             <a:endParaRPr lang="ko-KR" altLang="en-US"/>
           </a:p>
@@ -1778,7 +1778,7 @@
           <a:p>
             <a:fld id="{AA93C23F-80D8-41F7-A602-5BAA4D96D6F7}" type="datetimeFigureOut">
               <a:rPr lang="ko-KR" altLang="en-US" smtClean="0"/>
-              <a:t>2019-12-21</a:t>
+              <a:t>2025-03-15</a:t>
             </a:fld>
             <a:endParaRPr lang="ko-KR" altLang="en-US"/>
           </a:p>
@@ -2007,7 +2007,7 @@
           <a:p>
             <a:fld id="{AA93C23F-80D8-41F7-A602-5BAA4D96D6F7}" type="datetimeFigureOut">
               <a:rPr lang="ko-KR" altLang="en-US" smtClean="0"/>
-              <a:t>2019-12-21</a:t>
+              <a:t>2025-03-15</a:t>
             </a:fld>
             <a:endParaRPr lang="ko-KR" altLang="en-US"/>
           </a:p>
@@ -2371,7 +2371,7 @@
           <a:p>
             <a:fld id="{AA93C23F-80D8-41F7-A602-5BAA4D96D6F7}" type="datetimeFigureOut">
               <a:rPr lang="ko-KR" altLang="en-US" smtClean="0"/>
-              <a:t>2019-12-21</a:t>
+              <a:t>2025-03-15</a:t>
             </a:fld>
             <a:endParaRPr lang="ko-KR" altLang="en-US"/>
           </a:p>
@@ -2488,7 +2488,7 @@
           <a:p>
             <a:fld id="{AA93C23F-80D8-41F7-A602-5BAA4D96D6F7}" type="datetimeFigureOut">
               <a:rPr lang="ko-KR" altLang="en-US" smtClean="0"/>
-              <a:t>2019-12-21</a:t>
+              <a:t>2025-03-15</a:t>
             </a:fld>
             <a:endParaRPr lang="ko-KR" altLang="en-US"/>
           </a:p>
@@ -2762,7 +2762,7 @@
                 <a:tabLst/>
                 <a:defRPr/>
               </a:pPr>
-              <a:t>2019-12-21</a:t>
+              <a:t>2025-03-15</a:t>
             </a:fld>
             <a:endParaRPr kumimoji="0" lang="ko-KR" altLang="en-US" sz="1200" b="0" i="0" u="none" strike="noStrike" kern="1200" cap="none" spc="0" normalizeH="0" baseline="0" noProof="0">
               <a:ln>
@@ -2980,7 +2980,7 @@
           <a:p>
             <a:fld id="{AA93C23F-80D8-41F7-A602-5BAA4D96D6F7}" type="datetimeFigureOut">
               <a:rPr lang="ko-KR" altLang="en-US" smtClean="0"/>
-              <a:t>2019-12-21</a:t>
+              <a:t>2025-03-15</a:t>
             </a:fld>
             <a:endParaRPr lang="ko-KR" altLang="en-US"/>
           </a:p>
@@ -3255,7 +3255,7 @@
           <a:p>
             <a:fld id="{AA93C23F-80D8-41F7-A602-5BAA4D96D6F7}" type="datetimeFigureOut">
               <a:rPr lang="ko-KR" altLang="en-US" smtClean="0"/>
-              <a:t>2019-12-21</a:t>
+              <a:t>2025-03-15</a:t>
             </a:fld>
             <a:endParaRPr lang="ko-KR" altLang="en-US"/>
           </a:p>
@@ -3466,7 +3466,7 @@
           <a:p>
             <a:fld id="{AA93C23F-80D8-41F7-A602-5BAA4D96D6F7}" type="datetimeFigureOut">
               <a:rPr lang="ko-KR" altLang="en-US" smtClean="0"/>
-              <a:t>2019-12-21</a:t>
+              <a:t>2025-03-15</a:t>
             </a:fld>
             <a:endParaRPr lang="ko-KR" altLang="en-US"/>
           </a:p>
@@ -5256,6 +5256,50 @@
           </a:prstGeom>
         </p:spPr>
       </p:pic>
+      <p:sp>
+        <p:nvSpPr>
+          <p:cNvPr id="9" name="TextBox 8">
+            <a:extLst>
+              <a:ext uri="{FF2B5EF4-FFF2-40B4-BE49-F238E27FC236}">
+                <a16:creationId xmlns:a16="http://schemas.microsoft.com/office/drawing/2014/main" id="{EE81DEEE-250B-4EE0-9C5C-6316EB2FEDE9}"/>
+              </a:ext>
+            </a:extLst>
+          </p:cNvPr>
+          <p:cNvSpPr txBox="1"/>
+          <p:nvPr/>
+        </p:nvSpPr>
+        <p:spPr>
+          <a:xfrm>
+            <a:off x="10969359" y="379583"/>
+            <a:ext cx="1107996" cy="338554"/>
+          </a:xfrm>
+          <a:prstGeom prst="rect">
+            <a:avLst/>
+          </a:prstGeom>
+          <a:noFill/>
+        </p:spPr>
+        <p:txBody>
+          <a:bodyPr wrap="none" rtlCol="0">
+            <a:spAutoFit/>
+          </a:bodyPr>
+          <a:lstStyle/>
+          <a:p>
+            <a:r>
+              <a:rPr lang="en-US" altLang="ko-KR" sz="1600" b="1" dirty="0">
+                <a:solidFill>
+                  <a:schemeClr val="bg1"/>
+                </a:solidFill>
+              </a:rPr>
+              <a:t>P309-310</a:t>
+            </a:r>
+            <a:endParaRPr lang="ko-KR" altLang="en-US" sz="1600" b="1" dirty="0">
+              <a:solidFill>
+                <a:schemeClr val="bg1"/>
+              </a:solidFill>
+            </a:endParaRPr>
+          </a:p>
+        </p:txBody>
+      </p:sp>
     </p:spTree>
     <p:extLst>
       <p:ext uri="{BB962C8B-B14F-4D97-AF65-F5344CB8AC3E}">
@@ -5918,6 +5962,50 @@
           </a:prstGeom>
         </p:spPr>
       </p:pic>
+      <p:sp>
+        <p:nvSpPr>
+          <p:cNvPr id="8" name="TextBox 7">
+            <a:extLst>
+              <a:ext uri="{FF2B5EF4-FFF2-40B4-BE49-F238E27FC236}">
+                <a16:creationId xmlns:a16="http://schemas.microsoft.com/office/drawing/2014/main" id="{9F587EE1-C5EE-4984-AF96-2C9BED714138}"/>
+              </a:ext>
+            </a:extLst>
+          </p:cNvPr>
+          <p:cNvSpPr txBox="1"/>
+          <p:nvPr/>
+        </p:nvSpPr>
+        <p:spPr>
+          <a:xfrm>
+            <a:off x="10969359" y="379583"/>
+            <a:ext cx="667170" cy="338554"/>
+          </a:xfrm>
+          <a:prstGeom prst="rect">
+            <a:avLst/>
+          </a:prstGeom>
+          <a:noFill/>
+        </p:spPr>
+        <p:txBody>
+          <a:bodyPr wrap="none" rtlCol="0">
+            <a:spAutoFit/>
+          </a:bodyPr>
+          <a:lstStyle/>
+          <a:p>
+            <a:r>
+              <a:rPr lang="en-US" altLang="ko-KR" sz="1600" b="1" dirty="0">
+                <a:solidFill>
+                  <a:schemeClr val="bg1"/>
+                </a:solidFill>
+              </a:rPr>
+              <a:t>P311</a:t>
+            </a:r>
+            <a:endParaRPr lang="ko-KR" altLang="en-US" sz="1600" b="1" dirty="0">
+              <a:solidFill>
+                <a:schemeClr val="bg1"/>
+              </a:solidFill>
+            </a:endParaRPr>
+          </a:p>
+        </p:txBody>
+      </p:sp>
     </p:spTree>
     <p:extLst>
       <p:ext uri="{BB962C8B-B14F-4D97-AF65-F5344CB8AC3E}">
@@ -6649,6 +6737,50 @@
           </a:prstGeom>
         </p:spPr>
       </p:pic>
+      <p:sp>
+        <p:nvSpPr>
+          <p:cNvPr id="9" name="TextBox 8">
+            <a:extLst>
+              <a:ext uri="{FF2B5EF4-FFF2-40B4-BE49-F238E27FC236}">
+                <a16:creationId xmlns:a16="http://schemas.microsoft.com/office/drawing/2014/main" id="{20F93437-BF19-45B7-9908-FEA781712F51}"/>
+              </a:ext>
+            </a:extLst>
+          </p:cNvPr>
+          <p:cNvSpPr txBox="1"/>
+          <p:nvPr/>
+        </p:nvSpPr>
+        <p:spPr>
+          <a:xfrm>
+            <a:off x="10969359" y="379583"/>
+            <a:ext cx="667170" cy="338554"/>
+          </a:xfrm>
+          <a:prstGeom prst="rect">
+            <a:avLst/>
+          </a:prstGeom>
+          <a:noFill/>
+        </p:spPr>
+        <p:txBody>
+          <a:bodyPr wrap="none" rtlCol="0">
+            <a:spAutoFit/>
+          </a:bodyPr>
+          <a:lstStyle/>
+          <a:p>
+            <a:r>
+              <a:rPr lang="en-US" altLang="ko-KR" sz="1600" b="1" dirty="0">
+                <a:solidFill>
+                  <a:schemeClr val="bg1"/>
+                </a:solidFill>
+              </a:rPr>
+              <a:t>P313</a:t>
+            </a:r>
+            <a:endParaRPr lang="ko-KR" altLang="en-US" sz="1600" b="1" dirty="0">
+              <a:solidFill>
+                <a:schemeClr val="bg1"/>
+              </a:solidFill>
+            </a:endParaRPr>
+          </a:p>
+        </p:txBody>
+      </p:sp>
     </p:spTree>
     <p:extLst>
       <p:ext uri="{BB962C8B-B14F-4D97-AF65-F5344CB8AC3E}">
@@ -7221,6 +7353,50 @@
           </a:prstGeom>
         </p:spPr>
       </p:pic>
+      <p:sp>
+        <p:nvSpPr>
+          <p:cNvPr id="14" name="TextBox 13">
+            <a:extLst>
+              <a:ext uri="{FF2B5EF4-FFF2-40B4-BE49-F238E27FC236}">
+                <a16:creationId xmlns:a16="http://schemas.microsoft.com/office/drawing/2014/main" id="{A659E33D-D174-40DA-A924-508036E2FBF3}"/>
+              </a:ext>
+            </a:extLst>
+          </p:cNvPr>
+          <p:cNvSpPr txBox="1"/>
+          <p:nvPr/>
+        </p:nvSpPr>
+        <p:spPr>
+          <a:xfrm>
+            <a:off x="10969359" y="379583"/>
+            <a:ext cx="667170" cy="338554"/>
+          </a:xfrm>
+          <a:prstGeom prst="rect">
+            <a:avLst/>
+          </a:prstGeom>
+          <a:noFill/>
+        </p:spPr>
+        <p:txBody>
+          <a:bodyPr wrap="none" rtlCol="0">
+            <a:spAutoFit/>
+          </a:bodyPr>
+          <a:lstStyle/>
+          <a:p>
+            <a:r>
+              <a:rPr lang="en-US" altLang="ko-KR" sz="1600" b="1" dirty="0">
+                <a:solidFill>
+                  <a:schemeClr val="bg1"/>
+                </a:solidFill>
+              </a:rPr>
+              <a:t>P315</a:t>
+            </a:r>
+            <a:endParaRPr lang="ko-KR" altLang="en-US" sz="1600" b="1" dirty="0">
+              <a:solidFill>
+                <a:schemeClr val="bg1"/>
+              </a:solidFill>
+            </a:endParaRPr>
+          </a:p>
+        </p:txBody>
+      </p:sp>
     </p:spTree>
     <p:extLst>
       <p:ext uri="{BB962C8B-B14F-4D97-AF65-F5344CB8AC3E}">
@@ -8700,6 +8876,50 @@
           </a:prstGeom>
         </p:spPr>
       </p:pic>
+      <p:sp>
+        <p:nvSpPr>
+          <p:cNvPr id="10" name="TextBox 9">
+            <a:extLst>
+              <a:ext uri="{FF2B5EF4-FFF2-40B4-BE49-F238E27FC236}">
+                <a16:creationId xmlns:a16="http://schemas.microsoft.com/office/drawing/2014/main" id="{1B1FD436-AD0A-4164-9B29-DCC098CC94B5}"/>
+              </a:ext>
+            </a:extLst>
+          </p:cNvPr>
+          <p:cNvSpPr txBox="1"/>
+          <p:nvPr/>
+        </p:nvSpPr>
+        <p:spPr>
+          <a:xfrm>
+            <a:off x="10969359" y="379583"/>
+            <a:ext cx="1107996" cy="338554"/>
+          </a:xfrm>
+          <a:prstGeom prst="rect">
+            <a:avLst/>
+          </a:prstGeom>
+          <a:noFill/>
+        </p:spPr>
+        <p:txBody>
+          <a:bodyPr wrap="none" rtlCol="0">
+            <a:spAutoFit/>
+          </a:bodyPr>
+          <a:lstStyle/>
+          <a:p>
+            <a:r>
+              <a:rPr lang="en-US" altLang="ko-KR" sz="1600" b="1" dirty="0">
+                <a:solidFill>
+                  <a:schemeClr val="bg1"/>
+                </a:solidFill>
+              </a:rPr>
+              <a:t>P317-318</a:t>
+            </a:r>
+            <a:endParaRPr lang="ko-KR" altLang="en-US" sz="1600" b="1" dirty="0">
+              <a:solidFill>
+                <a:schemeClr val="bg1"/>
+              </a:solidFill>
+            </a:endParaRPr>
+          </a:p>
+        </p:txBody>
+      </p:sp>
     </p:spTree>
     <p:extLst>
       <p:ext uri="{BB962C8B-B14F-4D97-AF65-F5344CB8AC3E}">
@@ -9119,6 +9339,50 @@
           </a:p>
         </p:txBody>
       </p:sp>
+      <p:sp>
+        <p:nvSpPr>
+          <p:cNvPr id="12" name="TextBox 11">
+            <a:extLst>
+              <a:ext uri="{FF2B5EF4-FFF2-40B4-BE49-F238E27FC236}">
+                <a16:creationId xmlns:a16="http://schemas.microsoft.com/office/drawing/2014/main" id="{5B4CBB38-DDE3-485D-BADA-E5F048E01920}"/>
+              </a:ext>
+            </a:extLst>
+          </p:cNvPr>
+          <p:cNvSpPr txBox="1"/>
+          <p:nvPr/>
+        </p:nvSpPr>
+        <p:spPr>
+          <a:xfrm>
+            <a:off x="10969359" y="379583"/>
+            <a:ext cx="667170" cy="338554"/>
+          </a:xfrm>
+          <a:prstGeom prst="rect">
+            <a:avLst/>
+          </a:prstGeom>
+          <a:noFill/>
+        </p:spPr>
+        <p:txBody>
+          <a:bodyPr wrap="none" rtlCol="0">
+            <a:spAutoFit/>
+          </a:bodyPr>
+          <a:lstStyle/>
+          <a:p>
+            <a:r>
+              <a:rPr lang="en-US" altLang="ko-KR" sz="1600" b="1" dirty="0">
+                <a:solidFill>
+                  <a:schemeClr val="bg1"/>
+                </a:solidFill>
+              </a:rPr>
+              <a:t>P319</a:t>
+            </a:r>
+            <a:endParaRPr lang="ko-KR" altLang="en-US" sz="1600" b="1" dirty="0">
+              <a:solidFill>
+                <a:schemeClr val="bg1"/>
+              </a:solidFill>
+            </a:endParaRPr>
+          </a:p>
+        </p:txBody>
+      </p:sp>
     </p:spTree>
     <p:extLst>
       <p:ext uri="{BB962C8B-B14F-4D97-AF65-F5344CB8AC3E}">
@@ -10678,6 +10942,50 @@
           </a:prstGeom>
         </p:spPr>
       </p:pic>
+      <p:sp>
+        <p:nvSpPr>
+          <p:cNvPr id="9" name="TextBox 8">
+            <a:extLst>
+              <a:ext uri="{FF2B5EF4-FFF2-40B4-BE49-F238E27FC236}">
+                <a16:creationId xmlns:a16="http://schemas.microsoft.com/office/drawing/2014/main" id="{F995FEC2-B146-4A1C-9E9A-69AF487AFEB4}"/>
+              </a:ext>
+            </a:extLst>
+          </p:cNvPr>
+          <p:cNvSpPr txBox="1"/>
+          <p:nvPr/>
+        </p:nvSpPr>
+        <p:spPr>
+          <a:xfrm>
+            <a:off x="10969359" y="379583"/>
+            <a:ext cx="1107996" cy="338554"/>
+          </a:xfrm>
+          <a:prstGeom prst="rect">
+            <a:avLst/>
+          </a:prstGeom>
+          <a:noFill/>
+        </p:spPr>
+        <p:txBody>
+          <a:bodyPr wrap="none" rtlCol="0">
+            <a:spAutoFit/>
+          </a:bodyPr>
+          <a:lstStyle/>
+          <a:p>
+            <a:r>
+              <a:rPr lang="en-US" altLang="ko-KR" sz="1600" b="1" dirty="0">
+                <a:solidFill>
+                  <a:schemeClr val="bg1"/>
+                </a:solidFill>
+              </a:rPr>
+              <a:t>P320-321</a:t>
+            </a:r>
+            <a:endParaRPr lang="ko-KR" altLang="en-US" sz="1600" b="1" dirty="0">
+              <a:solidFill>
+                <a:schemeClr val="bg1"/>
+              </a:solidFill>
+            </a:endParaRPr>
+          </a:p>
+        </p:txBody>
+      </p:sp>
     </p:spTree>
     <p:extLst>
       <p:ext uri="{BB962C8B-B14F-4D97-AF65-F5344CB8AC3E}">
@@ -10862,6 +11170,50 @@
           </a:p>
         </p:txBody>
       </p:sp>
+      <p:sp>
+        <p:nvSpPr>
+          <p:cNvPr id="6" name="TextBox 5">
+            <a:extLst>
+              <a:ext uri="{FF2B5EF4-FFF2-40B4-BE49-F238E27FC236}">
+                <a16:creationId xmlns:a16="http://schemas.microsoft.com/office/drawing/2014/main" id="{1F296D01-F381-4C5C-B4C8-071AF114B1CE}"/>
+              </a:ext>
+            </a:extLst>
+          </p:cNvPr>
+          <p:cNvSpPr txBox="1"/>
+          <p:nvPr/>
+        </p:nvSpPr>
+        <p:spPr>
+          <a:xfrm>
+            <a:off x="10969359" y="379583"/>
+            <a:ext cx="667170" cy="338554"/>
+          </a:xfrm>
+          <a:prstGeom prst="rect">
+            <a:avLst/>
+          </a:prstGeom>
+          <a:noFill/>
+        </p:spPr>
+        <p:txBody>
+          <a:bodyPr wrap="none" rtlCol="0">
+            <a:spAutoFit/>
+          </a:bodyPr>
+          <a:lstStyle/>
+          <a:p>
+            <a:r>
+              <a:rPr lang="en-US" altLang="ko-KR" sz="1600" b="1" dirty="0">
+                <a:solidFill>
+                  <a:schemeClr val="bg1"/>
+                </a:solidFill>
+              </a:rPr>
+              <a:t>P324</a:t>
+            </a:r>
+            <a:endParaRPr lang="ko-KR" altLang="en-US" sz="1600" b="1" dirty="0">
+              <a:solidFill>
+                <a:schemeClr val="bg1"/>
+              </a:solidFill>
+            </a:endParaRPr>
+          </a:p>
+        </p:txBody>
+      </p:sp>
     </p:spTree>
     <p:extLst>
       <p:ext uri="{BB962C8B-B14F-4D97-AF65-F5344CB8AC3E}">
@@ -11610,6 +11962,50 @@
           </a:prstGeom>
         </p:spPr>
       </p:pic>
+      <p:sp>
+        <p:nvSpPr>
+          <p:cNvPr id="15" name="TextBox 14">
+            <a:extLst>
+              <a:ext uri="{FF2B5EF4-FFF2-40B4-BE49-F238E27FC236}">
+                <a16:creationId xmlns:a16="http://schemas.microsoft.com/office/drawing/2014/main" id="{E47C76AD-8AC7-412B-AC50-316B4E5D183F}"/>
+              </a:ext>
+            </a:extLst>
+          </p:cNvPr>
+          <p:cNvSpPr txBox="1"/>
+          <p:nvPr/>
+        </p:nvSpPr>
+        <p:spPr>
+          <a:xfrm>
+            <a:off x="10969359" y="379583"/>
+            <a:ext cx="1107996" cy="338554"/>
+          </a:xfrm>
+          <a:prstGeom prst="rect">
+            <a:avLst/>
+          </a:prstGeom>
+          <a:noFill/>
+        </p:spPr>
+        <p:txBody>
+          <a:bodyPr wrap="none" rtlCol="0">
+            <a:spAutoFit/>
+          </a:bodyPr>
+          <a:lstStyle/>
+          <a:p>
+            <a:r>
+              <a:rPr lang="en-US" altLang="ko-KR" sz="1600" b="1" dirty="0">
+                <a:solidFill>
+                  <a:schemeClr val="bg1"/>
+                </a:solidFill>
+              </a:rPr>
+              <a:t>P294-295</a:t>
+            </a:r>
+            <a:endParaRPr lang="ko-KR" altLang="en-US" sz="1600" b="1" dirty="0">
+              <a:solidFill>
+                <a:schemeClr val="bg1"/>
+              </a:solidFill>
+            </a:endParaRPr>
+          </a:p>
+        </p:txBody>
+      </p:sp>
     </p:spTree>
     <p:extLst>
       <p:ext uri="{BB962C8B-B14F-4D97-AF65-F5344CB8AC3E}">
@@ -11840,6 +12236,50 @@
           </a:prstGeom>
         </p:spPr>
       </p:pic>
+      <p:sp>
+        <p:nvSpPr>
+          <p:cNvPr id="8" name="TextBox 7">
+            <a:extLst>
+              <a:ext uri="{FF2B5EF4-FFF2-40B4-BE49-F238E27FC236}">
+                <a16:creationId xmlns:a16="http://schemas.microsoft.com/office/drawing/2014/main" id="{8AE09EA4-F5A3-427F-B2B5-2B4B2EDBEACF}"/>
+              </a:ext>
+            </a:extLst>
+          </p:cNvPr>
+          <p:cNvSpPr txBox="1"/>
+          <p:nvPr/>
+        </p:nvSpPr>
+        <p:spPr>
+          <a:xfrm>
+            <a:off x="10969359" y="379583"/>
+            <a:ext cx="667170" cy="338554"/>
+          </a:xfrm>
+          <a:prstGeom prst="rect">
+            <a:avLst/>
+          </a:prstGeom>
+          <a:noFill/>
+        </p:spPr>
+        <p:txBody>
+          <a:bodyPr wrap="none" rtlCol="0">
+            <a:spAutoFit/>
+          </a:bodyPr>
+          <a:lstStyle/>
+          <a:p>
+            <a:r>
+              <a:rPr lang="en-US" altLang="ko-KR" sz="1600" b="1" dirty="0">
+                <a:solidFill>
+                  <a:schemeClr val="bg1"/>
+                </a:solidFill>
+              </a:rPr>
+              <a:t>P296</a:t>
+            </a:r>
+            <a:endParaRPr lang="ko-KR" altLang="en-US" sz="1600" b="1" dirty="0">
+              <a:solidFill>
+                <a:schemeClr val="bg1"/>
+              </a:solidFill>
+            </a:endParaRPr>
+          </a:p>
+        </p:txBody>
+      </p:sp>
     </p:spTree>
     <p:extLst>
       <p:ext uri="{BB962C8B-B14F-4D97-AF65-F5344CB8AC3E}">
@@ -13401,6 +13841,50 @@
           </a:prstGeom>
         </p:spPr>
       </p:pic>
+      <p:sp>
+        <p:nvSpPr>
+          <p:cNvPr id="15" name="TextBox 14">
+            <a:extLst>
+              <a:ext uri="{FF2B5EF4-FFF2-40B4-BE49-F238E27FC236}">
+                <a16:creationId xmlns:a16="http://schemas.microsoft.com/office/drawing/2014/main" id="{1B6C342D-F3C2-4B71-A6E0-D3235FC18221}"/>
+              </a:ext>
+            </a:extLst>
+          </p:cNvPr>
+          <p:cNvSpPr txBox="1"/>
+          <p:nvPr/>
+        </p:nvSpPr>
+        <p:spPr>
+          <a:xfrm>
+            <a:off x="10969359" y="379583"/>
+            <a:ext cx="1107996" cy="338554"/>
+          </a:xfrm>
+          <a:prstGeom prst="rect">
+            <a:avLst/>
+          </a:prstGeom>
+          <a:noFill/>
+        </p:spPr>
+        <p:txBody>
+          <a:bodyPr wrap="none" rtlCol="0">
+            <a:spAutoFit/>
+          </a:bodyPr>
+          <a:lstStyle/>
+          <a:p>
+            <a:r>
+              <a:rPr lang="en-US" altLang="ko-KR" sz="1600" b="1" dirty="0">
+                <a:solidFill>
+                  <a:schemeClr val="bg1"/>
+                </a:solidFill>
+              </a:rPr>
+              <a:t>P297-298</a:t>
+            </a:r>
+            <a:endParaRPr lang="ko-KR" altLang="en-US" sz="1600" b="1" dirty="0">
+              <a:solidFill>
+                <a:schemeClr val="bg1"/>
+              </a:solidFill>
+            </a:endParaRPr>
+          </a:p>
+        </p:txBody>
+      </p:sp>
     </p:spTree>
     <p:extLst>
       <p:ext uri="{BB962C8B-B14F-4D97-AF65-F5344CB8AC3E}">
@@ -14683,6 +15167,50 @@
           </a:prstGeom>
         </p:spPr>
       </p:pic>
+      <p:sp>
+        <p:nvSpPr>
+          <p:cNvPr id="22" name="TextBox 21">
+            <a:extLst>
+              <a:ext uri="{FF2B5EF4-FFF2-40B4-BE49-F238E27FC236}">
+                <a16:creationId xmlns:a16="http://schemas.microsoft.com/office/drawing/2014/main" id="{67BC3C02-80AA-4563-9F10-056FEA87A145}"/>
+              </a:ext>
+            </a:extLst>
+          </p:cNvPr>
+          <p:cNvSpPr txBox="1"/>
+          <p:nvPr/>
+        </p:nvSpPr>
+        <p:spPr>
+          <a:xfrm>
+            <a:off x="10969359" y="379583"/>
+            <a:ext cx="1107996" cy="338554"/>
+          </a:xfrm>
+          <a:prstGeom prst="rect">
+            <a:avLst/>
+          </a:prstGeom>
+          <a:noFill/>
+        </p:spPr>
+        <p:txBody>
+          <a:bodyPr wrap="none" rtlCol="0">
+            <a:spAutoFit/>
+          </a:bodyPr>
+          <a:lstStyle/>
+          <a:p>
+            <a:r>
+              <a:rPr lang="en-US" altLang="ko-KR" sz="1600" b="1" dirty="0">
+                <a:solidFill>
+                  <a:schemeClr val="bg1"/>
+                </a:solidFill>
+              </a:rPr>
+              <a:t>P300-302</a:t>
+            </a:r>
+            <a:endParaRPr lang="ko-KR" altLang="en-US" sz="1600" b="1" dirty="0">
+              <a:solidFill>
+                <a:schemeClr val="bg1"/>
+              </a:solidFill>
+            </a:endParaRPr>
+          </a:p>
+        </p:txBody>
+      </p:sp>
     </p:spTree>
     <p:extLst>
       <p:ext uri="{BB962C8B-B14F-4D97-AF65-F5344CB8AC3E}">
@@ -14996,6 +15524,50 @@
           </p:spPr>
         </p:pic>
       </p:grpSp>
+      <p:sp>
+        <p:nvSpPr>
+          <p:cNvPr id="10" name="TextBox 9">
+            <a:extLst>
+              <a:ext uri="{FF2B5EF4-FFF2-40B4-BE49-F238E27FC236}">
+                <a16:creationId xmlns:a16="http://schemas.microsoft.com/office/drawing/2014/main" id="{3FBBFD58-5AD5-4F6F-A0EC-4CDF9350BE6D}"/>
+              </a:ext>
+            </a:extLst>
+          </p:cNvPr>
+          <p:cNvSpPr txBox="1"/>
+          <p:nvPr/>
+        </p:nvSpPr>
+        <p:spPr>
+          <a:xfrm>
+            <a:off x="10969359" y="379583"/>
+            <a:ext cx="1107996" cy="338554"/>
+          </a:xfrm>
+          <a:prstGeom prst="rect">
+            <a:avLst/>
+          </a:prstGeom>
+          <a:noFill/>
+        </p:spPr>
+        <p:txBody>
+          <a:bodyPr wrap="none" rtlCol="0">
+            <a:spAutoFit/>
+          </a:bodyPr>
+          <a:lstStyle/>
+          <a:p>
+            <a:r>
+              <a:rPr lang="en-US" altLang="ko-KR" sz="1600" b="1" dirty="0">
+                <a:solidFill>
+                  <a:schemeClr val="bg1"/>
+                </a:solidFill>
+              </a:rPr>
+              <a:t>P302-303</a:t>
+            </a:r>
+            <a:endParaRPr lang="ko-KR" altLang="en-US" sz="1600" b="1" dirty="0">
+              <a:solidFill>
+                <a:schemeClr val="bg1"/>
+              </a:solidFill>
+            </a:endParaRPr>
+          </a:p>
+        </p:txBody>
+      </p:sp>
     </p:spTree>
     <p:extLst>
       <p:ext uri="{BB962C8B-B14F-4D97-AF65-F5344CB8AC3E}">
@@ -15889,6 +16461,50 @@
           </a:prstGeom>
         </p:spPr>
       </p:pic>
+      <p:sp>
+        <p:nvSpPr>
+          <p:cNvPr id="11" name="TextBox 10">
+            <a:extLst>
+              <a:ext uri="{FF2B5EF4-FFF2-40B4-BE49-F238E27FC236}">
+                <a16:creationId xmlns:a16="http://schemas.microsoft.com/office/drawing/2014/main" id="{C76D7A75-1F1A-48EA-8AA1-6DCB1652F472}"/>
+              </a:ext>
+            </a:extLst>
+          </p:cNvPr>
+          <p:cNvSpPr txBox="1"/>
+          <p:nvPr/>
+        </p:nvSpPr>
+        <p:spPr>
+          <a:xfrm>
+            <a:off x="10969359" y="379583"/>
+            <a:ext cx="1107996" cy="338554"/>
+          </a:xfrm>
+          <a:prstGeom prst="rect">
+            <a:avLst/>
+          </a:prstGeom>
+          <a:noFill/>
+        </p:spPr>
+        <p:txBody>
+          <a:bodyPr wrap="none" rtlCol="0">
+            <a:spAutoFit/>
+          </a:bodyPr>
+          <a:lstStyle/>
+          <a:p>
+            <a:r>
+              <a:rPr lang="en-US" altLang="ko-KR" sz="1600" b="1" dirty="0">
+                <a:solidFill>
+                  <a:schemeClr val="bg1"/>
+                </a:solidFill>
+              </a:rPr>
+              <a:t>P304-305</a:t>
+            </a:r>
+            <a:endParaRPr lang="ko-KR" altLang="en-US" sz="1600" b="1" dirty="0">
+              <a:solidFill>
+                <a:schemeClr val="bg1"/>
+              </a:solidFill>
+            </a:endParaRPr>
+          </a:p>
+        </p:txBody>
+      </p:sp>
     </p:spTree>
     <p:extLst>
       <p:ext uri="{BB962C8B-B14F-4D97-AF65-F5344CB8AC3E}">
@@ -17324,6 +17940,50 @@
           </a:fontRef>
         </p:style>
       </p:cxnSp>
+      <p:sp>
+        <p:nvSpPr>
+          <p:cNvPr id="16" name="TextBox 15">
+            <a:extLst>
+              <a:ext uri="{FF2B5EF4-FFF2-40B4-BE49-F238E27FC236}">
+                <a16:creationId xmlns:a16="http://schemas.microsoft.com/office/drawing/2014/main" id="{E23D124E-EC0A-4A8D-A3F9-3B0527B1C984}"/>
+              </a:ext>
+            </a:extLst>
+          </p:cNvPr>
+          <p:cNvSpPr txBox="1"/>
+          <p:nvPr/>
+        </p:nvSpPr>
+        <p:spPr>
+          <a:xfrm>
+            <a:off x="10969359" y="379583"/>
+            <a:ext cx="1107996" cy="338554"/>
+          </a:xfrm>
+          <a:prstGeom prst="rect">
+            <a:avLst/>
+          </a:prstGeom>
+          <a:noFill/>
+        </p:spPr>
+        <p:txBody>
+          <a:bodyPr wrap="none" rtlCol="0">
+            <a:spAutoFit/>
+          </a:bodyPr>
+          <a:lstStyle/>
+          <a:p>
+            <a:r>
+              <a:rPr lang="en-US" altLang="ko-KR" sz="1600" b="1" dirty="0">
+                <a:solidFill>
+                  <a:schemeClr val="bg1"/>
+                </a:solidFill>
+              </a:rPr>
+              <a:t>P306-307</a:t>
+            </a:r>
+            <a:endParaRPr lang="ko-KR" altLang="en-US" sz="1600" b="1" dirty="0">
+              <a:solidFill>
+                <a:schemeClr val="bg1"/>
+              </a:solidFill>
+            </a:endParaRPr>
+          </a:p>
+        </p:txBody>
+      </p:sp>
     </p:spTree>
     <p:extLst>
       <p:ext uri="{BB962C8B-B14F-4D97-AF65-F5344CB8AC3E}">
@@ -18485,6 +19145,50 @@
           </a:prstGeom>
         </p:spPr>
       </p:pic>
+      <p:sp>
+        <p:nvSpPr>
+          <p:cNvPr id="8" name="TextBox 7">
+            <a:extLst>
+              <a:ext uri="{FF2B5EF4-FFF2-40B4-BE49-F238E27FC236}">
+                <a16:creationId xmlns:a16="http://schemas.microsoft.com/office/drawing/2014/main" id="{9613BD16-D0B2-468E-A0A9-87957C070DBD}"/>
+              </a:ext>
+            </a:extLst>
+          </p:cNvPr>
+          <p:cNvSpPr txBox="1"/>
+          <p:nvPr/>
+        </p:nvSpPr>
+        <p:spPr>
+          <a:xfrm>
+            <a:off x="10969359" y="379583"/>
+            <a:ext cx="667170" cy="338554"/>
+          </a:xfrm>
+          <a:prstGeom prst="rect">
+            <a:avLst/>
+          </a:prstGeom>
+          <a:noFill/>
+        </p:spPr>
+        <p:txBody>
+          <a:bodyPr wrap="none" rtlCol="0">
+            <a:spAutoFit/>
+          </a:bodyPr>
+          <a:lstStyle/>
+          <a:p>
+            <a:r>
+              <a:rPr lang="en-US" altLang="ko-KR" sz="1600" b="1" dirty="0">
+                <a:solidFill>
+                  <a:schemeClr val="bg1"/>
+                </a:solidFill>
+              </a:rPr>
+              <a:t>P308</a:t>
+            </a:r>
+            <a:endParaRPr lang="ko-KR" altLang="en-US" sz="1600" b="1" dirty="0">
+              <a:solidFill>
+                <a:schemeClr val="bg1"/>
+              </a:solidFill>
+            </a:endParaRPr>
+          </a:p>
+        </p:txBody>
+      </p:sp>
     </p:spTree>
     <p:extLst>
       <p:ext uri="{BB962C8B-B14F-4D97-AF65-F5344CB8AC3E}">
